--- a/2. Spring 5.0/Day 6/Slides/6. Configuration of Spring and JPA for Development/configuration-of-spring-and-jpa-for-development-slides.pptx
+++ b/2. Spring 5.0/Day 6/Slides/6. Configuration of Spring and JPA for Development/configuration-of-spring-and-jpa-for-development-slides.pptx
@@ -3811,7 +3811,7 @@
         </p:nvSpPr>
         <p:spPr>
           <a:xfrm>
-            <a:off x="222250" y="5807075"/>
+            <a:off x="374650" y="5807075"/>
             <a:ext cx="19972020" cy="5736590"/>
           </a:xfrm>
           <a:prstGeom prst="rect">
